--- a/Healthcare Claim Submission.pptx
+++ b/Healthcare Claim Submission.pptx
@@ -7,17 +7,20 @@
   <p:sldIdLst>
     <p:sldId id="256" r:id="rId3"/>
     <p:sldId id="257" r:id="rId4"/>
-    <p:sldId id="258" r:id="rId5"/>
-    <p:sldId id="259" r:id="rId6"/>
-    <p:sldId id="260" r:id="rId7"/>
-    <p:sldId id="261" r:id="rId8"/>
-    <p:sldId id="262" r:id="rId9"/>
-    <p:sldId id="263" r:id="rId10"/>
-    <p:sldId id="264" r:id="rId11"/>
-    <p:sldId id="265" r:id="rId12"/>
+    <p:sldId id="269" r:id="rId5"/>
+    <p:sldId id="258" r:id="rId6"/>
+    <p:sldId id="259" r:id="rId7"/>
+    <p:sldId id="260" r:id="rId8"/>
+    <p:sldId id="261" r:id="rId9"/>
+    <p:sldId id="262" r:id="rId10"/>
+    <p:sldId id="263" r:id="rId11"/>
+    <p:sldId id="264" r:id="rId12"/>
     <p:sldId id="266" r:id="rId13"/>
-    <p:sldId id="267" r:id="rId14"/>
-    <p:sldId id="268" r:id="rId15"/>
+    <p:sldId id="265" r:id="rId14"/>
+    <p:sldId id="270" r:id="rId15"/>
+    <p:sldId id="267" r:id="rId16"/>
+    <p:sldId id="268" r:id="rId17"/>
+    <p:sldId id="271" r:id="rId18"/>
   </p:sldIdLst>
   <p:sldSz cx="12192000" cy="6858000"/>
   <p:notesSz cx="6858000" cy="9144000"/>
@@ -3259,7 +3262,6 @@
           <a:p>
             <a:r>
               <a:rPr lang="en-US" sz="4800" b="1" dirty="0">
-                <a:ln/>
                 <a:solidFill>
                   <a:schemeClr val="tx1"/>
                 </a:solidFill>
@@ -3274,7 +3276,6 @@
               <a:t>Healthcare Claim Submission</a:t>
             </a:r>
             <a:endParaRPr lang="en-US" sz="4800" b="1" dirty="0">
-              <a:ln/>
               <a:solidFill>
                 <a:schemeClr val="tx1"/>
               </a:solidFill>
@@ -3315,6 +3316,13 @@
             </a:r>
             <a:endParaRPr lang="en-US"/>
           </a:p>
+          <a:p>
+            <a:r>
+              <a:rPr lang="en-US"/>
+              <a:t>Mentor-Sai Krishna Nallamati</a:t>
+            </a:r>
+            <a:endParaRPr lang="en-US"/>
+          </a:p>
         </p:txBody>
       </p:sp>
     </p:spTree>
@@ -3326,6 +3334,205 @@
 </file>
 
 <file path=ppt/slides/slide10.xml><?xml version="1.0" encoding="utf-8"?>
+<p:sld xmlns:a="http://schemas.openxmlformats.org/drawingml/2006/main" xmlns:r="http://schemas.openxmlformats.org/officeDocument/2006/relationships" xmlns:p="http://schemas.openxmlformats.org/presentationml/2006/main">
+  <p:cSld>
+    <p:spTree>
+      <p:nvGrpSpPr>
+        <p:cNvPr id="1" name=""/>
+        <p:cNvGrpSpPr/>
+        <p:nvPr/>
+      </p:nvGrpSpPr>
+      <p:grpSpPr/>
+      <p:sp>
+        <p:nvSpPr>
+          <p:cNvPr id="2" name="Title 1"/>
+          <p:cNvSpPr>
+            <a:spLocks noGrp="1"/>
+          </p:cNvSpPr>
+          <p:nvPr>
+            <p:ph type="title"/>
+          </p:nvPr>
+        </p:nvSpPr>
+        <p:spPr/>
+        <p:txBody>
+          <a:bodyPr/>
+          <a:p>
+            <a:r>
+              <a:rPr lang="en-US" sz="4000">
+                <a:solidFill>
+                  <a:schemeClr val="accent1"/>
+                </a:solidFill>
+                <a:effectLst>
+                  <a:outerShdw blurRad="38100" dist="25400" dir="5400000" algn="ctr" rotWithShape="0">
+                    <a:srgbClr val="6E747A">
+                      <a:alpha val="43000"/>
+                    </a:srgbClr>
+                  </a:outerShdw>
+                </a:effectLst>
+              </a:rPr>
+              <a:t>Claim Submission screen</a:t>
+            </a:r>
+            <a:endParaRPr lang="en-US" sz="4000">
+              <a:solidFill>
+                <a:schemeClr val="accent1"/>
+              </a:solidFill>
+              <a:effectLst>
+                <a:outerShdw blurRad="38100" dist="25400" dir="5400000" algn="ctr" rotWithShape="0">
+                  <a:srgbClr val="6E747A">
+                    <a:alpha val="43000"/>
+                  </a:srgbClr>
+                </a:outerShdw>
+              </a:effectLst>
+            </a:endParaRPr>
+          </a:p>
+        </p:txBody>
+      </p:sp>
+      <p:pic>
+        <p:nvPicPr>
+          <p:cNvPr id="4" name="Content Placeholder 3"/>
+          <p:cNvPicPr>
+            <a:picLocks noChangeAspect="1"/>
+          </p:cNvPicPr>
+          <p:nvPr>
+            <p:ph idx="1"/>
+          </p:nvPr>
+        </p:nvPicPr>
+        <p:blipFill>
+          <a:blip r:embed="rId1"/>
+          <a:stretch>
+            <a:fillRect/>
+          </a:stretch>
+        </p:blipFill>
+        <p:spPr>
+          <a:xfrm>
+            <a:off x="3733165" y="1341120"/>
+            <a:ext cx="4724400" cy="4619625"/>
+          </a:xfrm>
+          <a:prstGeom prst="rect">
+            <a:avLst/>
+          </a:prstGeom>
+        </p:spPr>
+      </p:pic>
+    </p:spTree>
+  </p:cSld>
+  <p:clrMapOvr>
+    <a:masterClrMapping/>
+  </p:clrMapOvr>
+</p:sld>
+</file>
+
+<file path=ppt/slides/slide11.xml><?xml version="1.0" encoding="utf-8"?>
+<p:sld xmlns:a="http://schemas.openxmlformats.org/drawingml/2006/main" xmlns:r="http://schemas.openxmlformats.org/officeDocument/2006/relationships" xmlns:p="http://schemas.openxmlformats.org/presentationml/2006/main">
+  <p:cSld>
+    <p:spTree>
+      <p:nvGrpSpPr>
+        <p:cNvPr id="1" name=""/>
+        <p:cNvGrpSpPr/>
+        <p:nvPr/>
+      </p:nvGrpSpPr>
+      <p:grpSpPr/>
+      <p:sp>
+        <p:nvSpPr>
+          <p:cNvPr id="2" name="Title 1"/>
+          <p:cNvSpPr>
+            <a:spLocks noGrp="1"/>
+          </p:cNvSpPr>
+          <p:nvPr>
+            <p:ph type="title"/>
+          </p:nvPr>
+        </p:nvSpPr>
+        <p:spPr/>
+        <p:txBody>
+          <a:bodyPr/>
+          <a:p>
+            <a:r>
+              <a:rPr lang="en-US">
+                <a:solidFill>
+                  <a:schemeClr val="accent1"/>
+                </a:solidFill>
+                <a:effectLst>
+                  <a:outerShdw blurRad="38100" dist="25400" dir="5400000" algn="ctr" rotWithShape="0">
+                    <a:srgbClr val="6E747A">
+                      <a:alpha val="43000"/>
+                    </a:srgbClr>
+                  </a:outerShdw>
+                </a:effectLst>
+              </a:rPr>
+              <a:t>Angular Implementation</a:t>
+            </a:r>
+            <a:endParaRPr lang="en-US">
+              <a:solidFill>
+                <a:schemeClr val="accent1"/>
+              </a:solidFill>
+              <a:effectLst>
+                <a:outerShdw blurRad="38100" dist="25400" dir="5400000" algn="ctr" rotWithShape="0">
+                  <a:srgbClr val="6E747A">
+                    <a:alpha val="43000"/>
+                  </a:srgbClr>
+                </a:outerShdw>
+              </a:effectLst>
+            </a:endParaRPr>
+          </a:p>
+        </p:txBody>
+      </p:sp>
+      <p:sp>
+        <p:nvSpPr>
+          <p:cNvPr id="3" name="Content Placeholder 2"/>
+          <p:cNvSpPr>
+            <a:spLocks noGrp="1"/>
+          </p:cNvSpPr>
+          <p:nvPr>
+            <p:ph idx="1"/>
+          </p:nvPr>
+        </p:nvSpPr>
+        <p:spPr/>
+        <p:txBody>
+          <a:bodyPr/>
+          <a:p>
+            <a:r>
+              <a:rPr lang="en-US"/>
+              <a:t>Form validation</a:t>
+            </a:r>
+            <a:endParaRPr lang="en-US"/>
+          </a:p>
+          <a:p>
+            <a:r>
+              <a:rPr lang="en-US"/>
+              <a:t>Lazy Loading </a:t>
+            </a:r>
+            <a:endParaRPr lang="en-US"/>
+          </a:p>
+          <a:p>
+            <a:r>
+              <a:rPr lang="en-US"/>
+              <a:t>Dependency Injection</a:t>
+            </a:r>
+            <a:endParaRPr lang="en-US"/>
+          </a:p>
+          <a:p>
+            <a:endParaRPr lang="en-US"/>
+          </a:p>
+          <a:p>
+            <a:endParaRPr lang="en-US"/>
+          </a:p>
+          <a:p>
+            <a:r>
+              <a:rPr lang="en-US"/>
+              <a:t>Unit testing with Jasmine and KARMA</a:t>
+            </a:r>
+            <a:endParaRPr lang="en-US"/>
+          </a:p>
+        </p:txBody>
+      </p:sp>
+    </p:spTree>
+  </p:cSld>
+  <p:clrMapOvr>
+    <a:masterClrMapping/>
+  </p:clrMapOvr>
+</p:sld>
+</file>
+
+<file path=ppt/slides/slide12.xml><?xml version="1.0" encoding="utf-8"?>
 <p:sld xmlns:a="http://schemas.openxmlformats.org/drawingml/2006/main" xmlns:r="http://schemas.openxmlformats.org/officeDocument/2006/relationships" xmlns:p="http://schemas.openxmlformats.org/presentationml/2006/main">
   <p:cSld>
     <p:spTree>
@@ -3421,7 +3628,6 @@
           <a:p>
             <a:r>
               <a:rPr lang="en-US" sz="4000">
-                <a:ln/>
                 <a:solidFill>
                   <a:schemeClr val="accent1"/>
                 </a:solidFill>
@@ -3436,7 +3642,6 @@
               <a:t>Architecture</a:t>
             </a:r>
             <a:endParaRPr lang="en-US" sz="4000">
-              <a:ln/>
               <a:solidFill>
                 <a:schemeClr val="accent1"/>
               </a:solidFill>
@@ -3750,8 +3955,8 @@
         </p:nvSpPr>
         <p:spPr>
           <a:xfrm>
-            <a:off x="10284460" y="2650490"/>
-            <a:ext cx="675005" cy="2169160"/>
+            <a:off x="10301605" y="3215005"/>
+            <a:ext cx="675005" cy="1040130"/>
           </a:xfrm>
           <a:prstGeom prst="rect">
             <a:avLst/>
@@ -3769,7 +3974,7 @@
                   <a:schemeClr val="bg1"/>
                 </a:solidFill>
               </a:rPr>
-              <a:t>Azure SQL</a:t>
+              <a:t> SQL</a:t>
             </a:r>
             <a:endParaRPr lang="en-US" sz="3200" b="1">
               <a:solidFill>
@@ -4433,7 +4638,7 @@
 </p:sld>
 </file>
 
-<file path=ppt/slides/slide11.xml><?xml version="1.0" encoding="utf-8"?>
+<file path=ppt/slides/slide13.xml><?xml version="1.0" encoding="utf-8"?>
 <p:sld xmlns:a="http://schemas.openxmlformats.org/drawingml/2006/main" xmlns:r="http://schemas.openxmlformats.org/officeDocument/2006/relationships" xmlns:p="http://schemas.openxmlformats.org/presentationml/2006/main">
   <p:cSld>
     <p:spTree>
@@ -4471,7 +4676,7 @@
                   </a:outerShdw>
                 </a:effectLst>
               </a:rPr>
-              <a:t>Angular Implementation</a:t>
+              <a:t>Microservice and Gateway with dot net Core</a:t>
             </a:r>
             <a:endParaRPr lang="en-US">
               <a:ln/>
@@ -4489,42 +4694,32 @@
           </a:p>
         </p:txBody>
       </p:sp>
-      <p:sp>
-        <p:nvSpPr>
-          <p:cNvPr id="3" name="Content Placeholder 2"/>
-          <p:cNvSpPr>
-            <a:spLocks noGrp="1"/>
-          </p:cNvSpPr>
+      <p:pic>
+        <p:nvPicPr>
+          <p:cNvPr id="4" name="Content Placeholder 3" descr="1_5fQvZr2W6ydJ1fxjLgwhcg"/>
+          <p:cNvPicPr>
+            <a:picLocks noChangeAspect="1"/>
+          </p:cNvPicPr>
           <p:nvPr>
             <p:ph idx="1"/>
           </p:nvPr>
-        </p:nvSpPr>
-        <p:spPr/>
-        <p:txBody>
-          <a:bodyPr/>
-          <a:p>
-            <a:r>
-              <a:rPr lang="en-US"/>
-              <a:t>Form validation</a:t>
-            </a:r>
-            <a:endParaRPr lang="en-US"/>
-          </a:p>
-          <a:p>
-            <a:r>
-              <a:rPr lang="en-US"/>
-              <a:t>Lazy Loading </a:t>
-            </a:r>
-            <a:endParaRPr lang="en-US"/>
-          </a:p>
-          <a:p>
-            <a:r>
-              <a:rPr lang="en-US"/>
-              <a:t>Dependency Injection</a:t>
-            </a:r>
-            <a:endParaRPr lang="en-US"/>
-          </a:p>
-        </p:txBody>
-      </p:sp>
+        </p:nvPicPr>
+        <p:blipFill>
+          <a:blip r:embed="rId1"/>
+          <a:stretch>
+            <a:fillRect/>
+          </a:stretch>
+        </p:blipFill>
+        <p:spPr>
+          <a:xfrm>
+            <a:off x="3656965" y="1212215"/>
+            <a:ext cx="4876800" cy="4876800"/>
+          </a:xfrm>
+          <a:prstGeom prst="rect">
+            <a:avLst/>
+          </a:prstGeom>
+        </p:spPr>
+      </p:pic>
     </p:spTree>
   </p:cSld>
   <p:clrMapOvr>
@@ -4533,7 +4728,7 @@
 </p:sld>
 </file>
 
-<file path=ppt/slides/slide12.xml><?xml version="1.0" encoding="utf-8"?>
+<file path=ppt/slides/slide14.xml><?xml version="1.0" encoding="utf-8"?>
 <p:sld xmlns:a="http://schemas.openxmlformats.org/drawingml/2006/main" xmlns:r="http://schemas.openxmlformats.org/officeDocument/2006/relationships" xmlns:p="http://schemas.openxmlformats.org/presentationml/2006/main">
   <p:cSld>
     <p:spTree>
@@ -4559,7 +4754,6 @@
           <a:p>
             <a:r>
               <a:rPr lang="en-US">
-                <a:ln/>
                 <a:solidFill>
                   <a:schemeClr val="accent1"/>
                 </a:solidFill>
@@ -4574,7 +4768,6 @@
               <a:t>Web API Structure</a:t>
             </a:r>
             <a:endParaRPr lang="en-US">
-              <a:ln/>
               <a:solidFill>
                 <a:schemeClr val="accent1"/>
               </a:solidFill>
@@ -5469,7 +5662,7 @@
 </p:sld>
 </file>
 
-<file path=ppt/slides/slide13.xml><?xml version="1.0" encoding="utf-8"?>
+<file path=ppt/slides/slide15.xml><?xml version="1.0" encoding="utf-8"?>
 <p:sld xmlns:a="http://schemas.openxmlformats.org/drawingml/2006/main" xmlns:r="http://schemas.openxmlformats.org/officeDocument/2006/relationships" xmlns:p="http://schemas.openxmlformats.org/presentationml/2006/main">
   <p:cSld>
     <p:spTree>
@@ -5495,7 +5688,6 @@
           <a:p>
             <a:r>
               <a:rPr lang="en-US">
-                <a:ln/>
                 <a:solidFill>
                   <a:schemeClr val="accent1"/>
                 </a:solidFill>
@@ -5510,7 +5702,6 @@
               <a:t>Testing Web API</a:t>
             </a:r>
             <a:endParaRPr lang="en-US">
-              <a:ln/>
               <a:solidFill>
                 <a:schemeClr val="accent1"/>
               </a:solidFill>
@@ -5554,6 +5745,68 @@
           </a:p>
         </p:txBody>
       </p:sp>
+    </p:spTree>
+  </p:cSld>
+  <p:clrMapOvr>
+    <a:masterClrMapping/>
+  </p:clrMapOvr>
+</p:sld>
+</file>
+
+<file path=ppt/slides/slide16.xml><?xml version="1.0" encoding="utf-8"?>
+<p:sld xmlns:a="http://schemas.openxmlformats.org/drawingml/2006/main" xmlns:r="http://schemas.openxmlformats.org/officeDocument/2006/relationships" xmlns:p="http://schemas.openxmlformats.org/presentationml/2006/main">
+  <p:cSld>
+    <p:spTree>
+      <p:nvGrpSpPr>
+        <p:cNvPr id="1" name=""/>
+        <p:cNvGrpSpPr/>
+        <p:nvPr/>
+      </p:nvGrpSpPr>
+      <p:grpSpPr/>
+      <p:sp>
+        <p:nvSpPr>
+          <p:cNvPr id="2" name="Title 1"/>
+          <p:cNvSpPr>
+            <a:spLocks noGrp="1"/>
+          </p:cNvSpPr>
+          <p:nvPr>
+            <p:ph type="title"/>
+          </p:nvPr>
+        </p:nvSpPr>
+        <p:spPr/>
+        <p:txBody>
+          <a:bodyPr/>
+          <a:p>
+            <a:endParaRPr lang="en-US"/>
+          </a:p>
+        </p:txBody>
+      </p:sp>
+      <p:pic>
+        <p:nvPicPr>
+          <p:cNvPr id="4" name="Content Placeholder 3" descr="43100-thank you slide-thank you"/>
+          <p:cNvPicPr>
+            <a:picLocks noChangeAspect="1"/>
+          </p:cNvPicPr>
+          <p:nvPr>
+            <p:ph idx="1"/>
+          </p:nvPr>
+        </p:nvPicPr>
+        <p:blipFill>
+          <a:blip r:embed="rId1"/>
+          <a:stretch>
+            <a:fillRect/>
+          </a:stretch>
+        </p:blipFill>
+        <p:spPr>
+          <a:xfrm>
+            <a:off x="1494155" y="1461135"/>
+            <a:ext cx="8804910" cy="4953000"/>
+          </a:xfrm>
+          <a:prstGeom prst="rect">
+            <a:avLst/>
+          </a:prstGeom>
+        </p:spPr>
+      </p:pic>
     </p:spTree>
   </p:cSld>
   <p:clrMapOvr>
@@ -5613,6 +5866,13 @@
           <a:p>
             <a:r>
               <a:rPr lang="en-US"/>
+              <a:t>Architecture</a:t>
+            </a:r>
+            <a:endParaRPr lang="en-US"/>
+          </a:p>
+          <a:p>
+            <a:r>
+              <a:rPr lang="en-US"/>
               <a:t>MicroService (Dot Net Core API)</a:t>
             </a:r>
             <a:endParaRPr lang="en-US"/>
@@ -5625,11 +5885,25 @@
             <a:endParaRPr lang="en-US"/>
           </a:p>
           <a:p>
-            <a:r>
-              <a:rPr lang="en-US"/>
+            <a:pPr marL="0" indent="0">
+              <a:buNone/>
+            </a:pPr>
+            <a:endParaRPr lang="en-US"/>
+          </a:p>
+          <a:p>
+            <a:r>
+              <a:rPr lang="en-US">
+                <a:solidFill>
+                  <a:srgbClr val="FF0000"/>
+                </a:solidFill>
+              </a:rPr>
               <a:t>Azure implementation</a:t>
             </a:r>
-            <a:endParaRPr lang="en-US"/>
+            <a:endParaRPr lang="en-US">
+              <a:solidFill>
+                <a:srgbClr val="FF0000"/>
+              </a:solidFill>
+            </a:endParaRPr>
           </a:p>
           <a:p>
             <a:endParaRPr lang="en-US"/>
@@ -5672,7 +5946,7 @@
           <a:bodyPr/>
           <a:p>
             <a:r>
-              <a:rPr lang="en-US" sz="4000">
+              <a:rPr lang="en-US">
                 <a:ln/>
                 <a:solidFill>
                   <a:schemeClr val="accent1"/>
@@ -5685,9 +5959,9 @@
                   </a:outerShdw>
                 </a:effectLst>
               </a:rPr>
-              <a:t>User Registration</a:t>
-            </a:r>
-            <a:endParaRPr lang="en-US" sz="4000">
+              <a:t>User Interface with Angular</a:t>
+            </a:r>
+            <a:endParaRPr lang="en-US">
               <a:ln/>
               <a:solidFill>
                 <a:schemeClr val="accent1"/>
@@ -5703,83 +5977,26 @@
           </a:p>
         </p:txBody>
       </p:sp>
-      <p:grpSp>
-        <p:nvGrpSpPr>
-          <p:cNvPr id="7" name="Group 6"/>
-          <p:cNvGrpSpPr/>
-          <p:nvPr/>
-        </p:nvGrpSpPr>
-        <p:grpSpPr>
-          <a:xfrm>
-            <a:off x="609600" y="1496060"/>
-            <a:ext cx="10497185" cy="4464685"/>
-            <a:chOff x="960" y="2356"/>
-            <a:chExt cx="16531" cy="7031"/>
-          </a:xfrm>
-        </p:grpSpPr>
-      </p:grpSp>
-      <p:grpSp>
-        <p:nvGrpSpPr>
-          <p:cNvPr id="6" name="Group 5"/>
-          <p:cNvGrpSpPr/>
-          <p:nvPr/>
-        </p:nvGrpSpPr>
-        <p:grpSpPr>
-          <a:xfrm>
-            <a:off x="609600" y="1341120"/>
-            <a:ext cx="10851515" cy="4619625"/>
-            <a:chOff x="960" y="2112"/>
-            <a:chExt cx="17089" cy="7275"/>
-          </a:xfrm>
-        </p:grpSpPr>
-      </p:grpSp>
       <p:pic>
         <p:nvPicPr>
-          <p:cNvPr id="4" name="Content Placeholder 3"/>
+          <p:cNvPr id="4" name="Content Placeholder 3" descr="Angular_full_color_logo.svg"/>
           <p:cNvPicPr>
             <a:picLocks noChangeAspect="1"/>
           </p:cNvPicPr>
           <p:nvPr>
-            <p:ph sz="half" idx="1"/>
+            <p:ph idx="1"/>
           </p:nvPr>
         </p:nvPicPr>
         <p:blipFill>
           <a:blip r:embed="rId1"/>
-          <a:srcRect r="28659"/>
           <a:stretch>
             <a:fillRect/>
           </a:stretch>
         </p:blipFill>
         <p:spPr>
           <a:xfrm>
-            <a:off x="609600" y="1496695"/>
-            <a:ext cx="5202555" cy="4464050"/>
-          </a:xfrm>
-          <a:prstGeom prst="rect">
-            <a:avLst/>
-          </a:prstGeom>
-        </p:spPr>
-      </p:pic>
-      <p:pic>
-        <p:nvPicPr>
-          <p:cNvPr id="5" name="Content Placeholder 4"/>
-          <p:cNvPicPr>
-            <a:picLocks noChangeAspect="1"/>
-          </p:cNvPicPr>
-          <p:nvPr>
-            <p:ph sz="half" idx="2"/>
-          </p:nvPr>
-        </p:nvPicPr>
-        <p:blipFill>
-          <a:blip r:embed="rId2"/>
-          <a:stretch>
-            <a:fillRect/>
-          </a:stretch>
-        </p:blipFill>
-        <p:spPr>
-          <a:xfrm>
-            <a:off x="6317615" y="1496060"/>
-            <a:ext cx="4789170" cy="4464685"/>
+            <a:off x="3619500" y="1219200"/>
+            <a:ext cx="4953000" cy="4953000"/>
           </a:xfrm>
           <a:prstGeom prst="rect">
             <a:avLst/>
@@ -5820,7 +6037,6 @@
           <a:p>
             <a:r>
               <a:rPr lang="en-US" sz="4000">
-                <a:ln/>
                 <a:solidFill>
                   <a:schemeClr val="accent1"/>
                 </a:solidFill>
@@ -5832,10 +6048,9 @@
                   </a:outerShdw>
                 </a:effectLst>
               </a:rPr>
-              <a:t>User Login</a:t>
+              <a:t>User Registration</a:t>
             </a:r>
             <a:endParaRPr lang="en-US" sz="4000">
-              <a:ln/>
               <a:solidFill>
                 <a:schemeClr val="accent1"/>
               </a:solidFill>
@@ -5850,6 +6065,36 @@
           </a:p>
         </p:txBody>
       </p:sp>
+      <p:grpSp>
+        <p:nvGrpSpPr>
+          <p:cNvPr id="7" name="Group 6"/>
+          <p:cNvGrpSpPr/>
+          <p:nvPr/>
+        </p:nvGrpSpPr>
+        <p:grpSpPr>
+          <a:xfrm>
+            <a:off x="609600" y="1496060"/>
+            <a:ext cx="10497185" cy="4464685"/>
+            <a:chOff x="960" y="2356"/>
+            <a:chExt cx="16531" cy="7031"/>
+          </a:xfrm>
+        </p:grpSpPr>
+      </p:grpSp>
+      <p:grpSp>
+        <p:nvGrpSpPr>
+          <p:cNvPr id="6" name="Group 5"/>
+          <p:cNvGrpSpPr/>
+          <p:nvPr/>
+        </p:nvGrpSpPr>
+        <p:grpSpPr>
+          <a:xfrm>
+            <a:off x="609600" y="1341120"/>
+            <a:ext cx="10851515" cy="4619625"/>
+            <a:chOff x="960" y="2112"/>
+            <a:chExt cx="17089" cy="7275"/>
+          </a:xfrm>
+        </p:grpSpPr>
+      </p:grpSp>
       <p:pic>
         <p:nvPicPr>
           <p:cNvPr id="4" name="Content Placeholder 3"/>
@@ -5857,19 +6102,46 @@
             <a:picLocks noChangeAspect="1"/>
           </p:cNvPicPr>
           <p:nvPr>
-            <p:ph idx="1"/>
+            <p:ph sz="half" idx="1"/>
           </p:nvPr>
         </p:nvPicPr>
         <p:blipFill>
           <a:blip r:embed="rId1"/>
+          <a:srcRect r="28659"/>
           <a:stretch>
             <a:fillRect/>
           </a:stretch>
         </p:blipFill>
         <p:spPr>
           <a:xfrm>
-            <a:off x="913765" y="1597660"/>
-            <a:ext cx="9885680" cy="4315460"/>
+            <a:off x="609600" y="1496695"/>
+            <a:ext cx="5202555" cy="4464050"/>
+          </a:xfrm>
+          <a:prstGeom prst="rect">
+            <a:avLst/>
+          </a:prstGeom>
+        </p:spPr>
+      </p:pic>
+      <p:pic>
+        <p:nvPicPr>
+          <p:cNvPr id="5" name="Content Placeholder 4"/>
+          <p:cNvPicPr>
+            <a:picLocks noChangeAspect="1"/>
+          </p:cNvPicPr>
+          <p:nvPr>
+            <p:ph sz="half" idx="2"/>
+          </p:nvPr>
+        </p:nvPicPr>
+        <p:blipFill>
+          <a:blip r:embed="rId2"/>
+          <a:stretch>
+            <a:fillRect/>
+          </a:stretch>
+        </p:blipFill>
+        <p:spPr>
+          <a:xfrm>
+            <a:off x="6317615" y="1496060"/>
+            <a:ext cx="4789170" cy="4464685"/>
           </a:xfrm>
           <a:prstGeom prst="rect">
             <a:avLst/>
@@ -5910,7 +6182,6 @@
           <a:p>
             <a:r>
               <a:rPr lang="en-US" sz="4000">
-                <a:ln/>
                 <a:solidFill>
                   <a:schemeClr val="accent1"/>
                 </a:solidFill>
@@ -5922,10 +6193,9 @@
                   </a:outerShdw>
                 </a:effectLst>
               </a:rPr>
-              <a:t>Admin Screen</a:t>
+              <a:t>User Login</a:t>
             </a:r>
             <a:endParaRPr lang="en-US" sz="4000">
-              <a:ln/>
               <a:solidFill>
                 <a:schemeClr val="accent1"/>
               </a:solidFill>
@@ -5958,8 +6228,8 @@
         </p:blipFill>
         <p:spPr>
           <a:xfrm>
-            <a:off x="609600" y="1809115"/>
-            <a:ext cx="10972800" cy="3683635"/>
+            <a:off x="913765" y="1597660"/>
+            <a:ext cx="9885680" cy="4315460"/>
           </a:xfrm>
           <a:prstGeom prst="rect">
             <a:avLst/>
@@ -6000,7 +6270,6 @@
           <a:p>
             <a:r>
               <a:rPr lang="en-US" sz="4000">
-                <a:ln/>
                 <a:solidFill>
                   <a:schemeClr val="accent1"/>
                 </a:solidFill>
@@ -6012,10 +6281,9 @@
                   </a:outerShdw>
                 </a:effectLst>
               </a:rPr>
-              <a:t>Add Member</a:t>
+              <a:t>Admin Screen</a:t>
             </a:r>
             <a:endParaRPr lang="en-US" sz="4000">
-              <a:ln/>
               <a:solidFill>
                 <a:schemeClr val="accent1"/>
               </a:solidFill>
@@ -6030,68 +6298,26 @@
           </a:p>
         </p:txBody>
       </p:sp>
-      <p:grpSp>
-        <p:nvGrpSpPr>
-          <p:cNvPr id="8" name="Group 7"/>
-          <p:cNvGrpSpPr/>
-          <p:nvPr/>
-        </p:nvGrpSpPr>
-        <p:grpSpPr>
-          <a:xfrm>
-            <a:off x="872490" y="1307465"/>
-            <a:ext cx="10379075" cy="4686300"/>
-            <a:chOff x="1374" y="2059"/>
-            <a:chExt cx="16345" cy="7380"/>
-          </a:xfrm>
-        </p:grpSpPr>
-      </p:grpSp>
       <p:pic>
         <p:nvPicPr>
-          <p:cNvPr id="6" name="Content Placeholder 5"/>
+          <p:cNvPr id="4" name="Content Placeholder 3"/>
           <p:cNvPicPr>
             <a:picLocks noChangeAspect="1"/>
           </p:cNvPicPr>
           <p:nvPr>
-            <p:ph sz="half" idx="1"/>
+            <p:ph idx="1"/>
           </p:nvPr>
         </p:nvPicPr>
         <p:blipFill>
           <a:blip r:embed="rId1"/>
-          <a:srcRect l="1412" r="1869"/>
           <a:stretch>
             <a:fillRect/>
           </a:stretch>
         </p:blipFill>
         <p:spPr>
           <a:xfrm>
-            <a:off x="872490" y="1508760"/>
-            <a:ext cx="4857750" cy="4685665"/>
-          </a:xfrm>
-          <a:prstGeom prst="rect">
-            <a:avLst/>
-          </a:prstGeom>
-        </p:spPr>
-      </p:pic>
-      <p:pic>
-        <p:nvPicPr>
-          <p:cNvPr id="7" name="Content Placeholder 6"/>
-          <p:cNvPicPr>
-            <a:picLocks noChangeAspect="1"/>
-          </p:cNvPicPr>
-          <p:nvPr>
-            <p:ph sz="half" idx="2"/>
-          </p:nvPr>
-        </p:nvPicPr>
-        <p:blipFill>
-          <a:blip r:embed="rId2"/>
-          <a:stretch>
-            <a:fillRect/>
-          </a:stretch>
-        </p:blipFill>
-        <p:spPr>
-          <a:xfrm>
-            <a:off x="5934075" y="1508760"/>
-            <a:ext cx="4724400" cy="4686300"/>
+            <a:off x="609600" y="1809115"/>
+            <a:ext cx="10972800" cy="3683635"/>
           </a:xfrm>
           <a:prstGeom prst="rect">
             <a:avLst/>
@@ -6132,7 +6358,6 @@
           <a:p>
             <a:r>
               <a:rPr lang="en-US" sz="4000">
-                <a:ln/>
                 <a:solidFill>
                   <a:schemeClr val="accent1"/>
                 </a:solidFill>
@@ -6144,10 +6369,9 @@
                   </a:outerShdw>
                 </a:effectLst>
               </a:rPr>
-              <a:t>List Of Members</a:t>
+              <a:t>Add Member</a:t>
             </a:r>
             <a:endParaRPr lang="en-US" sz="4000">
-              <a:ln/>
               <a:solidFill>
                 <a:schemeClr val="accent1"/>
               </a:solidFill>
@@ -6162,27 +6386,68 @@
           </a:p>
         </p:txBody>
       </p:sp>
+      <p:grpSp>
+        <p:nvGrpSpPr>
+          <p:cNvPr id="8" name="Group 7"/>
+          <p:cNvGrpSpPr/>
+          <p:nvPr/>
+        </p:nvGrpSpPr>
+        <p:grpSpPr>
+          <a:xfrm>
+            <a:off x="872490" y="1307465"/>
+            <a:ext cx="10379075" cy="4686300"/>
+            <a:chOff x="1374" y="2059"/>
+            <a:chExt cx="16345" cy="7380"/>
+          </a:xfrm>
+        </p:grpSpPr>
+      </p:grpSp>
       <p:pic>
         <p:nvPicPr>
-          <p:cNvPr id="4" name="Content Placeholder 3"/>
+          <p:cNvPr id="6" name="Content Placeholder 5"/>
           <p:cNvPicPr>
             <a:picLocks noChangeAspect="1"/>
           </p:cNvPicPr>
           <p:nvPr>
-            <p:ph idx="1"/>
+            <p:ph sz="half" idx="1"/>
           </p:nvPr>
         </p:nvPicPr>
         <p:blipFill>
           <a:blip r:embed="rId1"/>
-          <a:srcRect l="1298" t="33665"/>
+          <a:srcRect l="1412" r="1869"/>
           <a:stretch>
             <a:fillRect/>
           </a:stretch>
         </p:blipFill>
         <p:spPr>
           <a:xfrm>
-            <a:off x="609600" y="1814830"/>
-            <a:ext cx="10426065" cy="4149725"/>
+            <a:off x="872490" y="1508760"/>
+            <a:ext cx="4857750" cy="4685665"/>
+          </a:xfrm>
+          <a:prstGeom prst="rect">
+            <a:avLst/>
+          </a:prstGeom>
+        </p:spPr>
+      </p:pic>
+      <p:pic>
+        <p:nvPicPr>
+          <p:cNvPr id="7" name="Content Placeholder 6"/>
+          <p:cNvPicPr>
+            <a:picLocks noChangeAspect="1"/>
+          </p:cNvPicPr>
+          <p:nvPr>
+            <p:ph sz="half" idx="2"/>
+          </p:nvPr>
+        </p:nvPicPr>
+        <p:blipFill>
+          <a:blip r:embed="rId2"/>
+          <a:stretch>
+            <a:fillRect/>
+          </a:stretch>
+        </p:blipFill>
+        <p:spPr>
+          <a:xfrm>
+            <a:off x="5934075" y="1508760"/>
+            <a:ext cx="4724400" cy="4686300"/>
           </a:xfrm>
           <a:prstGeom prst="rect">
             <a:avLst/>
@@ -6223,7 +6488,6 @@
           <a:p>
             <a:r>
               <a:rPr lang="en-US" sz="4000">
-                <a:ln/>
                 <a:solidFill>
                   <a:schemeClr val="accent1"/>
                 </a:solidFill>
@@ -6235,10 +6499,9 @@
                   </a:outerShdw>
                 </a:effectLst>
               </a:rPr>
-              <a:t>Member screen</a:t>
+              <a:t>List Of Members</a:t>
             </a:r>
             <a:endParaRPr lang="en-US" sz="4000">
-              <a:ln/>
               <a:solidFill>
                 <a:schemeClr val="accent1"/>
               </a:solidFill>
@@ -6265,14 +6528,15 @@
         </p:nvPicPr>
         <p:blipFill>
           <a:blip r:embed="rId1"/>
+          <a:srcRect l="1298" t="33665"/>
           <a:stretch>
             <a:fillRect/>
           </a:stretch>
         </p:blipFill>
         <p:spPr>
           <a:xfrm>
-            <a:off x="609600" y="2098040"/>
-            <a:ext cx="10972800" cy="3631565"/>
+            <a:off x="609600" y="1814830"/>
+            <a:ext cx="10426065" cy="4149725"/>
           </a:xfrm>
           <a:prstGeom prst="rect">
             <a:avLst/>
@@ -6313,7 +6577,6 @@
           <a:p>
             <a:r>
               <a:rPr lang="en-US" sz="4000">
-                <a:ln/>
                 <a:solidFill>
                   <a:schemeClr val="accent1"/>
                 </a:solidFill>
@@ -6325,10 +6588,9 @@
                   </a:outerShdw>
                 </a:effectLst>
               </a:rPr>
-              <a:t>Claim Submission screen</a:t>
+              <a:t>Member screen</a:t>
             </a:r>
             <a:endParaRPr lang="en-US" sz="4000">
-              <a:ln/>
               <a:solidFill>
                 <a:schemeClr val="accent1"/>
               </a:solidFill>
@@ -6361,8 +6623,8 @@
         </p:blipFill>
         <p:spPr>
           <a:xfrm>
-            <a:off x="3733165" y="1341120"/>
-            <a:ext cx="4724400" cy="4619625"/>
+            <a:off x="609600" y="2098040"/>
+            <a:ext cx="10972800" cy="3631565"/>
           </a:xfrm>
           <a:prstGeom prst="rect">
             <a:avLst/>
